--- a/PowerPoint/CSProjPresentation.pptx
+++ b/PowerPoint/CSProjPresentation.pptx
@@ -150,6 +150,170 @@
 </p188:authorLst>
 </file>
 
+<file path=ppt/revisionInfo.xml><?xml version="1.0" encoding="utf-8"?>
+<p1510:revInfo xmlns:a="http://schemas.openxmlformats.org/drawingml/2006/main" xmlns:r="http://schemas.openxmlformats.org/officeDocument/2006/relationships" xmlns:p1510="http://schemas.microsoft.com/office/powerpoint/2015/10/main">
+  <p1510:revLst>
+    <p1510:client id="{5A27ED2D-BF21-4F81-9A16-D23B6F972639}" v="2" dt="2024-11-07T20:43:37.533"/>
+    <p1510:client id="{DF7440A1-0747-4D20-A93C-30F6DC5293BB}" v="2" dt="2024-11-07T20:43:23.570"/>
+  </p1510:revLst>
+</p1510:revInfo>
+</file>
+
+<file path=ppt/changesInfos/changesInfo1.xml><?xml version="1.0" encoding="utf-8"?>
+<pc:chgInfo xmlns:a="http://schemas.openxmlformats.org/drawingml/2006/main" xmlns:r="http://schemas.openxmlformats.org/officeDocument/2006/relationships" xmlns:ac="http://schemas.microsoft.com/office/drawing/2013/main/command" xmlns:pc="http://schemas.microsoft.com/office/powerpoint/2013/main/command">
+  <pc:docChgLst>
+    <pc:chgData name="John Bernard Durano" userId="eb054e92-5e37-4fb3-baa8-dc38637fd4f4" providerId="ADAL" clId="{5A27ED2D-BF21-4F81-9A16-D23B6F972639}"/>
+    <pc:docChg chg="custSel modSld">
+      <pc:chgData name="John Bernard Durano" userId="eb054e92-5e37-4fb3-baa8-dc38637fd4f4" providerId="ADAL" clId="{5A27ED2D-BF21-4F81-9A16-D23B6F972639}" dt="2024-11-07T20:44:00.170" v="15" actId="14100"/>
+      <pc:docMkLst>
+        <pc:docMk/>
+      </pc:docMkLst>
+      <pc:sldChg chg="addSp modSp mod">
+        <pc:chgData name="John Bernard Durano" userId="eb054e92-5e37-4fb3-baa8-dc38637fd4f4" providerId="ADAL" clId="{5A27ED2D-BF21-4F81-9A16-D23B6F972639}" dt="2024-11-07T20:43:24.891" v="5" actId="1076"/>
+        <pc:sldMkLst>
+          <pc:docMk/>
+          <pc:sldMk cId="3995342074" sldId="311"/>
+        </pc:sldMkLst>
+        <pc:picChg chg="add mod">
+          <ac:chgData name="John Bernard Durano" userId="eb054e92-5e37-4fb3-baa8-dc38637fd4f4" providerId="ADAL" clId="{5A27ED2D-BF21-4F81-9A16-D23B6F972639}" dt="2024-11-07T20:43:24.891" v="5" actId="1076"/>
+          <ac:picMkLst>
+            <pc:docMk/>
+            <pc:sldMk cId="3995342074" sldId="311"/>
+            <ac:picMk id="5" creationId="{3D2A3CC7-770A-2C3E-2D2E-73D30BD81B96}"/>
+          </ac:picMkLst>
+        </pc:picChg>
+      </pc:sldChg>
+      <pc:sldChg chg="addSp delSp modSp mod">
+        <pc:chgData name="John Bernard Durano" userId="eb054e92-5e37-4fb3-baa8-dc38637fd4f4" providerId="ADAL" clId="{5A27ED2D-BF21-4F81-9A16-D23B6F972639}" dt="2024-11-07T20:44:00.170" v="15" actId="14100"/>
+        <pc:sldMkLst>
+          <pc:docMk/>
+          <pc:sldMk cId="926965924" sldId="312"/>
+        </pc:sldMkLst>
+        <pc:spChg chg="mod">
+          <ac:chgData name="John Bernard Durano" userId="eb054e92-5e37-4fb3-baa8-dc38637fd4f4" providerId="ADAL" clId="{5A27ED2D-BF21-4F81-9A16-D23B6F972639}" dt="2024-11-07T20:43:53.554" v="12" actId="26606"/>
+          <ac:spMkLst>
+            <pc:docMk/>
+            <pc:sldMk cId="926965924" sldId="312"/>
+            <ac:spMk id="3" creationId="{C17455F0-B51F-4D64-3FEF-AFCF9BC6301C}"/>
+          </ac:spMkLst>
+        </pc:spChg>
+        <pc:spChg chg="del">
+          <ac:chgData name="John Bernard Durano" userId="eb054e92-5e37-4fb3-baa8-dc38637fd4f4" providerId="ADAL" clId="{5A27ED2D-BF21-4F81-9A16-D23B6F972639}" dt="2024-11-07T20:43:53.554" v="12" actId="26606"/>
+          <ac:spMkLst>
+            <pc:docMk/>
+            <pc:sldMk cId="926965924" sldId="312"/>
+            <ac:spMk id="90" creationId="{CA5B2A81-2C8E-4963-AFD4-E539D168B475}"/>
+          </ac:spMkLst>
+        </pc:spChg>
+        <pc:spChg chg="add">
+          <ac:chgData name="John Bernard Durano" userId="eb054e92-5e37-4fb3-baa8-dc38637fd4f4" providerId="ADAL" clId="{5A27ED2D-BF21-4F81-9A16-D23B6F972639}" dt="2024-11-07T20:43:53.554" v="12" actId="26606"/>
+          <ac:spMkLst>
+            <pc:docMk/>
+            <pc:sldMk cId="926965924" sldId="312"/>
+            <ac:spMk id="105" creationId="{CA5B2A81-2C8E-4963-AFD4-E539D168B475}"/>
+          </ac:spMkLst>
+        </pc:spChg>
+        <pc:grpChg chg="del">
+          <ac:chgData name="John Bernard Durano" userId="eb054e92-5e37-4fb3-baa8-dc38637fd4f4" providerId="ADAL" clId="{5A27ED2D-BF21-4F81-9A16-D23B6F972639}" dt="2024-11-07T20:43:53.554" v="12" actId="26606"/>
+          <ac:grpSpMkLst>
+            <pc:docMk/>
+            <pc:sldMk cId="926965924" sldId="312"/>
+            <ac:grpSpMk id="84" creationId="{F982E0B2-AA9C-441C-A08E-A9DF9CF12116}"/>
+          </ac:grpSpMkLst>
+        </pc:grpChg>
+        <pc:grpChg chg="add">
+          <ac:chgData name="John Bernard Durano" userId="eb054e92-5e37-4fb3-baa8-dc38637fd4f4" providerId="ADAL" clId="{5A27ED2D-BF21-4F81-9A16-D23B6F972639}" dt="2024-11-07T20:43:53.554" v="12" actId="26606"/>
+          <ac:grpSpMkLst>
+            <pc:docMk/>
+            <pc:sldMk cId="926965924" sldId="312"/>
+            <ac:grpSpMk id="99" creationId="{F982E0B2-AA9C-441C-A08E-A9DF9CF12116}"/>
+          </ac:grpSpMkLst>
+        </pc:grpChg>
+        <pc:picChg chg="add mod">
+          <ac:chgData name="John Bernard Durano" userId="eb054e92-5e37-4fb3-baa8-dc38637fd4f4" providerId="ADAL" clId="{5A27ED2D-BF21-4F81-9A16-D23B6F972639}" dt="2024-11-07T20:44:00.170" v="15" actId="14100"/>
+          <ac:picMkLst>
+            <pc:docMk/>
+            <pc:sldMk cId="926965924" sldId="312"/>
+            <ac:picMk id="5" creationId="{4DC83C47-C4FC-90F1-903D-CA7E5DB28D01}"/>
+          </ac:picMkLst>
+        </pc:picChg>
+        <pc:cxnChg chg="del">
+          <ac:chgData name="John Bernard Durano" userId="eb054e92-5e37-4fb3-baa8-dc38637fd4f4" providerId="ADAL" clId="{5A27ED2D-BF21-4F81-9A16-D23B6F972639}" dt="2024-11-07T20:43:53.554" v="12" actId="26606"/>
+          <ac:cxnSpMkLst>
+            <pc:docMk/>
+            <pc:sldMk cId="926965924" sldId="312"/>
+            <ac:cxnSpMk id="82" creationId="{701C0CAB-6A03-4C6A-9FAA-219847753628}"/>
+          </ac:cxnSpMkLst>
+        </pc:cxnChg>
+        <pc:cxnChg chg="del">
+          <ac:chgData name="John Bernard Durano" userId="eb054e92-5e37-4fb3-baa8-dc38637fd4f4" providerId="ADAL" clId="{5A27ED2D-BF21-4F81-9A16-D23B6F972639}" dt="2024-11-07T20:43:53.554" v="12" actId="26606"/>
+          <ac:cxnSpMkLst>
+            <pc:docMk/>
+            <pc:sldMk cId="926965924" sldId="312"/>
+            <ac:cxnSpMk id="92" creationId="{9E7C23BC-DAA6-40E1-8166-B8C4439D1430}"/>
+          </ac:cxnSpMkLst>
+        </pc:cxnChg>
+        <pc:cxnChg chg="add">
+          <ac:chgData name="John Bernard Durano" userId="eb054e92-5e37-4fb3-baa8-dc38637fd4f4" providerId="ADAL" clId="{5A27ED2D-BF21-4F81-9A16-D23B6F972639}" dt="2024-11-07T20:43:53.554" v="12" actId="26606"/>
+          <ac:cxnSpMkLst>
+            <pc:docMk/>
+            <pc:sldMk cId="926965924" sldId="312"/>
+            <ac:cxnSpMk id="97" creationId="{701C0CAB-6A03-4C6A-9FAA-219847753628}"/>
+          </ac:cxnSpMkLst>
+        </pc:cxnChg>
+        <pc:cxnChg chg="add">
+          <ac:chgData name="John Bernard Durano" userId="eb054e92-5e37-4fb3-baa8-dc38637fd4f4" providerId="ADAL" clId="{5A27ED2D-BF21-4F81-9A16-D23B6F972639}" dt="2024-11-07T20:43:53.554" v="12" actId="26606"/>
+          <ac:cxnSpMkLst>
+            <pc:docMk/>
+            <pc:sldMk cId="926965924" sldId="312"/>
+            <ac:cxnSpMk id="107" creationId="{9E7C23BC-DAA6-40E1-8166-B8C4439D1430}"/>
+          </ac:cxnSpMkLst>
+        </pc:cxnChg>
+      </pc:sldChg>
+    </pc:docChg>
+  </pc:docChgLst>
+  <pc:docChgLst>
+    <pc:chgData name="John Bernard Durano" userId="S::jsdurano@student.apc.edu.ph::eb054e92-5e37-4fb3-baa8-dc38637fd4f4" providerId="AD" clId="Web-{DF7440A1-0747-4D20-A93C-30F6DC5293BB}"/>
+    <pc:docChg chg="modSld">
+      <pc:chgData name="John Bernard Durano" userId="S::jsdurano@student.apc.edu.ph::eb054e92-5e37-4fb3-baa8-dc38637fd4f4" providerId="AD" clId="Web-{DF7440A1-0747-4D20-A93C-30F6DC5293BB}" dt="2024-11-07T20:43:23.570" v="1"/>
+      <pc:docMkLst>
+        <pc:docMk/>
+      </pc:docMkLst>
+      <pc:sldChg chg="delSp">
+        <pc:chgData name="John Bernard Durano" userId="S::jsdurano@student.apc.edu.ph::eb054e92-5e37-4fb3-baa8-dc38637fd4f4" providerId="AD" clId="Web-{DF7440A1-0747-4D20-A93C-30F6DC5293BB}" dt="2024-11-07T20:43:20.913" v="0"/>
+        <pc:sldMkLst>
+          <pc:docMk/>
+          <pc:sldMk cId="3995342074" sldId="311"/>
+        </pc:sldMkLst>
+        <pc:picChg chg="del">
+          <ac:chgData name="John Bernard Durano" userId="S::jsdurano@student.apc.edu.ph::eb054e92-5e37-4fb3-baa8-dc38637fd4f4" providerId="AD" clId="Web-{DF7440A1-0747-4D20-A93C-30F6DC5293BB}" dt="2024-11-07T20:43:20.913" v="0"/>
+          <ac:picMkLst>
+            <pc:docMk/>
+            <pc:sldMk cId="3995342074" sldId="311"/>
+            <ac:picMk id="5" creationId="{0304502A-9C38-4887-CF2B-7C508A04307A}"/>
+          </ac:picMkLst>
+        </pc:picChg>
+      </pc:sldChg>
+      <pc:sldChg chg="delSp">
+        <pc:chgData name="John Bernard Durano" userId="S::jsdurano@student.apc.edu.ph::eb054e92-5e37-4fb3-baa8-dc38637fd4f4" providerId="AD" clId="Web-{DF7440A1-0747-4D20-A93C-30F6DC5293BB}" dt="2024-11-07T20:43:23.570" v="1"/>
+        <pc:sldMkLst>
+          <pc:docMk/>
+          <pc:sldMk cId="926965924" sldId="312"/>
+        </pc:sldMkLst>
+        <pc:picChg chg="del">
+          <ac:chgData name="John Bernard Durano" userId="S::jsdurano@student.apc.edu.ph::eb054e92-5e37-4fb3-baa8-dc38637fd4f4" providerId="AD" clId="Web-{DF7440A1-0747-4D20-A93C-30F6DC5293BB}" dt="2024-11-07T20:43:23.570" v="1"/>
+          <ac:picMkLst>
+            <pc:docMk/>
+            <pc:sldMk cId="926965924" sldId="312"/>
+            <ac:picMk id="5" creationId="{CA56BC46-582F-B224-2497-229D1253DC0D}"/>
+          </ac:picMkLst>
+        </pc:picChg>
+      </pc:sldChg>
+    </pc:docChg>
+  </pc:docChgLst>
+</pc:chgInfo>
+</file>
+
 <file path=ppt/handoutMasters/handoutMaster1.xml><?xml version="1.0" encoding="utf-8"?>
 <p:handoutMaster xmlns:a="http://schemas.openxmlformats.org/drawingml/2006/main" xmlns:r="http://schemas.openxmlformats.org/officeDocument/2006/relationships" xmlns:p="http://schemas.openxmlformats.org/presentationml/2006/main">
   <p:cSld>
@@ -244,7 +408,7 @@
           <a:p>
             <a:fld id="{9568A188-91E3-4091-B70E-E1E6D807C522}" type="datetimeFigureOut">
               <a:rPr lang="en-US" smtClean="0"/>
-              <a:t>11/7/2024</a:t>
+              <a:t>11/8/2024</a:t>
             </a:fld>
             <a:endParaRPr lang="en-US" dirty="0"/>
           </a:p>
@@ -421,7 +585,7 @@
           <a:p>
             <a:fld id="{34C02412-B176-4E06-823F-C66FEB3E21FB}" type="datetimeFigureOut">
               <a:rPr lang="en-US" smtClean="0"/>
-              <a:t>11/7/2024</a:t>
+              <a:t>11/8/2024</a:t>
             </a:fld>
             <a:endParaRPr lang="en-US" dirty="0"/>
           </a:p>
@@ -7878,36 +8042,6 @@
           </a:p>
         </p:txBody>
       </p:sp>
-      <p:pic>
-        <p:nvPicPr>
-          <p:cNvPr id="5" name="Picture 4" descr="A computer screen shot of a flowchart&#10;&#10;Description automatically generated">
-            <a:extLst>
-              <a:ext uri="{FF2B5EF4-FFF2-40B4-BE49-F238E27FC236}">
-                <a16:creationId xmlns:a16="http://schemas.microsoft.com/office/drawing/2014/main" id="{0304502A-9C38-4887-CF2B-7C508A04307A}"/>
-              </a:ext>
-            </a:extLst>
-          </p:cNvPr>
-          <p:cNvPicPr>
-            <a:picLocks noChangeAspect="1"/>
-          </p:cNvPicPr>
-          <p:nvPr/>
-        </p:nvPicPr>
-        <p:blipFill>
-          <a:blip r:embed="rId2"/>
-          <a:stretch>
-            <a:fillRect/>
-          </a:stretch>
-        </p:blipFill>
-        <p:spPr>
-          <a:xfrm>
-            <a:off x="540989" y="1780250"/>
-            <a:ext cx="4996212" cy="3297499"/>
-          </a:xfrm>
-          <a:prstGeom prst="rect">
-            <a:avLst/>
-          </a:prstGeom>
-        </p:spPr>
-      </p:pic>
       <p:cxnSp>
         <p:nvCxnSpPr>
           <p:cNvPr id="89" name="Straight Connector 88">
@@ -7960,6 +8094,36 @@
           </a:fontRef>
         </p:style>
       </p:cxnSp>
+      <p:pic>
+        <p:nvPicPr>
+          <p:cNvPr id="5" name="Picture 4" descr="A screenshot of a computer&#10;&#10;Description automatically generated">
+            <a:extLst>
+              <a:ext uri="{FF2B5EF4-FFF2-40B4-BE49-F238E27FC236}">
+                <a16:creationId xmlns:a16="http://schemas.microsoft.com/office/drawing/2014/main" id="{3D2A3CC7-770A-2C3E-2D2E-73D30BD81B96}"/>
+              </a:ext>
+            </a:extLst>
+          </p:cNvPr>
+          <p:cNvPicPr>
+            <a:picLocks noChangeAspect="1"/>
+          </p:cNvPicPr>
+          <p:nvPr/>
+        </p:nvPicPr>
+        <p:blipFill>
+          <a:blip r:embed="rId2"/>
+          <a:stretch>
+            <a:fillRect/>
+          </a:stretch>
+        </p:blipFill>
+        <p:spPr>
+          <a:xfrm>
+            <a:off x="881275" y="653287"/>
+            <a:ext cx="5273510" cy="5414137"/>
+          </a:xfrm>
+          <a:prstGeom prst="rect">
+            <a:avLst/>
+          </a:prstGeom>
+        </p:spPr>
+      </p:pic>
     </p:spTree>
     <p:extLst>
       <p:ext uri="{BB962C8B-B14F-4D97-AF65-F5344CB8AC3E}">
@@ -8018,7 +8182,7 @@
       </p:grpSpPr>
       <p:cxnSp>
         <p:nvCxnSpPr>
-          <p:cNvPr id="82" name="Straight Connector 81">
+          <p:cNvPr id="97" name="Straight Connector 96">
             <a:extLst>
               <a:ext uri="{FF2B5EF4-FFF2-40B4-BE49-F238E27FC236}">
                 <a16:creationId xmlns:a16="http://schemas.microsoft.com/office/drawing/2014/main" id="{701C0CAB-6A03-4C6A-9FAA-219847753628}"/>
@@ -8070,7 +8234,7 @@
       </p:cxnSp>
       <p:grpSp>
         <p:nvGrpSpPr>
-          <p:cNvPr id="84" name="Group 83">
+          <p:cNvPr id="99" name="Group 98">
             <a:extLst>
               <a:ext uri="{FF2B5EF4-FFF2-40B4-BE49-F238E27FC236}">
                 <a16:creationId xmlns:a16="http://schemas.microsoft.com/office/drawing/2014/main" id="{F982E0B2-AA9C-441C-A08E-A9DF9CF12116}"/>
@@ -8101,7 +8265,7 @@
         </p:grpSpPr>
         <p:sp>
           <p:nvSpPr>
-            <p:cNvPr id="85" name="Freeform: Shape 84">
+            <p:cNvPr id="100" name="Freeform: Shape 99">
               <a:extLst>
                 <a:ext uri="{FF2B5EF4-FFF2-40B4-BE49-F238E27FC236}">
                   <a16:creationId xmlns:a16="http://schemas.microsoft.com/office/drawing/2014/main" id="{A4A2E074-C10D-4C57-AB72-B631E4D77102}"/>
@@ -8327,7 +8491,7 @@
         </p:sp>
         <p:grpSp>
           <p:nvGrpSpPr>
-            <p:cNvPr id="86" name="Group 85">
+            <p:cNvPr id="101" name="Group 100">
               <a:extLst>
                 <a:ext uri="{FF2B5EF4-FFF2-40B4-BE49-F238E27FC236}">
                   <a16:creationId xmlns:a16="http://schemas.microsoft.com/office/drawing/2014/main" id="{0B037EB3-1772-4BA8-A95A-E5DBDFEA32B0}"/>
@@ -8356,7 +8520,7 @@
           </p:grpSpPr>
           <p:sp>
             <p:nvSpPr>
-              <p:cNvPr id="87" name="Freeform: Shape 86">
+              <p:cNvPr id="102" name="Freeform: Shape 101">
                 <a:extLst>
                   <a:ext uri="{FF2B5EF4-FFF2-40B4-BE49-F238E27FC236}">
                     <a16:creationId xmlns:a16="http://schemas.microsoft.com/office/drawing/2014/main" id="{A1F47AC1-63D0-47F3-9728-1A0A0543494B}"/>
@@ -8840,7 +9004,7 @@
           </p:sp>
           <p:cxnSp>
             <p:nvCxnSpPr>
-              <p:cNvPr id="88" name="Straight Connector 87">
+              <p:cNvPr id="103" name="Straight Connector 102">
                 <a:extLst>
                   <a:ext uri="{FF2B5EF4-FFF2-40B4-BE49-F238E27FC236}">
                     <a16:creationId xmlns:a16="http://schemas.microsoft.com/office/drawing/2014/main" id="{803A57D6-0C36-4560-A08A-16768551EF6F}"/>
@@ -8894,7 +9058,7 @@
       </p:grpSp>
       <p:sp useBgFill="1">
         <p:nvSpPr>
-          <p:cNvPr id="90" name="Rectangle 89">
+          <p:cNvPr id="105" name="Rectangle 104">
             <a:extLst>
               <a:ext uri="{FF2B5EF4-FFF2-40B4-BE49-F238E27FC236}">
                 <a16:creationId xmlns:a16="http://schemas.microsoft.com/office/drawing/2014/main" id="{CA5B2A81-2C8E-4963-AFD4-E539D168B475}"/>
@@ -9036,11 +9200,7 @@
               <a:buNone/>
             </a:pPr>
             <a:r>
-              <a:rPr lang="en-US" sz="2400" i="1" dirty="0">
-                <a:solidFill>
-                  <a:srgbClr val="FFFFFF"/>
-                </a:solidFill>
-              </a:rPr>
+              <a:rPr lang="en-US" sz="2400" i="1" dirty="0"/>
               <a:t>Deployment Diagram</a:t>
             </a:r>
           </a:p>
@@ -9048,10 +9208,10 @@
       </p:sp>
       <p:pic>
         <p:nvPicPr>
-          <p:cNvPr id="5" name="Picture 4" descr="A computer screen shot of a diagram&#10;&#10;Description automatically generated">
+          <p:cNvPr id="5" name="Picture 4" descr="A screenshot of a computer&#10;&#10;Description automatically generated">
             <a:extLst>
               <a:ext uri="{FF2B5EF4-FFF2-40B4-BE49-F238E27FC236}">
-                <a16:creationId xmlns:a16="http://schemas.microsoft.com/office/drawing/2014/main" id="{CA56BC46-582F-B224-2497-229D1253DC0D}"/>
+                <a16:creationId xmlns:a16="http://schemas.microsoft.com/office/drawing/2014/main" id="{4DC83C47-C4FC-90F1-903D-CA7E5DB28D01}"/>
               </a:ext>
             </a:extLst>
           </p:cNvPr>
@@ -9068,8 +9228,8 @@
         </p:blipFill>
         <p:spPr>
           <a:xfrm>
-            <a:off x="540989" y="1892665"/>
-            <a:ext cx="4996212" cy="3072670"/>
+            <a:off x="128523" y="1628956"/>
+            <a:ext cx="6691377" cy="3947912"/>
           </a:xfrm>
           <a:prstGeom prst="rect">
             <a:avLst/>
@@ -9078,7 +9238,7 @@
       </p:pic>
       <p:cxnSp>
         <p:nvCxnSpPr>
-          <p:cNvPr id="92" name="Straight Connector 91">
+          <p:cNvPr id="107" name="Straight Connector 106">
             <a:extLst>
               <a:ext uri="{FF2B5EF4-FFF2-40B4-BE49-F238E27FC236}">
                 <a16:creationId xmlns:a16="http://schemas.microsoft.com/office/drawing/2014/main" id="{9E7C23BC-DAA6-40E1-8166-B8C4439D1430}"/>
@@ -16909,43 +17069,26 @@
 </file>
 
 <file path=customXml/item1.xml><?xml version="1.0" encoding="utf-8"?>
-<p:properties xmlns:p="http://schemas.microsoft.com/office/2006/metadata/properties" xmlns:xsi="http://www.w3.org/2001/XMLSchema-instance" xmlns:pc="http://schemas.microsoft.com/office/infopath/2007/PartnerControls">
-  <documentManagement>
-    <MediaServiceKeyPoints xmlns="be8fb32e-c9ff-4415-891a-0a1586572665" xsi:nil="true"/>
-    <_activity xmlns="be8fb32e-c9ff-4415-891a-0a1586572665" xsi:nil="true"/>
-  </documentManagement>
-</p:properties>
-</file>
-
-<file path=customXml/item2.xml><?xml version="1.0" encoding="utf-8"?>
-<ct:contentTypeSchema xmlns:ct="http://schemas.microsoft.com/office/2006/metadata/contentType" xmlns:ma="http://schemas.microsoft.com/office/2006/metadata/properties/metaAttributes" ct:_="" ma:_="" ma:contentTypeName="Document" ma:contentTypeID="0x010100F3E97A142701E240B55F7689721F88FC" ma:contentTypeVersion="18" ma:contentTypeDescription="Create a new document." ma:contentTypeScope="" ma:versionID="29d286ca967c6fdc33c9371b5e664db4">
-  <xsd:schema xmlns:xsd="http://www.w3.org/2001/XMLSchema" xmlns:xs="http://www.w3.org/2001/XMLSchema" xmlns:p="http://schemas.microsoft.com/office/2006/metadata/properties" xmlns:ns3="dc3af81d-fb79-48a5-8b8f-89bb6ef8e058" xmlns:ns4="be8fb32e-c9ff-4415-891a-0a1586572665" targetNamespace="http://schemas.microsoft.com/office/2006/metadata/properties" ma:root="true" ma:fieldsID="4a0f7c60d972db57942158c7a2e81ffe" ns3:_="" ns4:_="">
-    <xsd:import namespace="dc3af81d-fb79-48a5-8b8f-89bb6ef8e058"/>
-    <xsd:import namespace="be8fb32e-c9ff-4415-891a-0a1586572665"/>
+<ct:contentTypeSchema xmlns:ct="http://schemas.microsoft.com/office/2006/metadata/contentType" xmlns:ma="http://schemas.microsoft.com/office/2006/metadata/properties/metaAttributes" ct:_="" ma:_="" ma:contentTypeName="Document" ma:contentTypeID="0x0101000AEACA05D3710A4E8C196244464EF8D2" ma:contentTypeVersion="11" ma:contentTypeDescription="Create a new document." ma:contentTypeScope="" ma:versionID="93126e55fa681ba8663c29e436a6f955">
+  <xsd:schema xmlns:xsd="http://www.w3.org/2001/XMLSchema" xmlns:xs="http://www.w3.org/2001/XMLSchema" xmlns:p="http://schemas.microsoft.com/office/2006/metadata/properties" xmlns:ns2="acfb06f1-cf20-457c-9f7c-da94afef52e6" xmlns:ns3="a249929f-e4ad-42ca-846a-c0d373ba484d" targetNamespace="http://schemas.microsoft.com/office/2006/metadata/properties" ma:root="true" ma:fieldsID="95ff90fc46d95e3a0e48ed9db7402edd" ns2:_="" ns3:_="">
+    <xsd:import namespace="acfb06f1-cf20-457c-9f7c-da94afef52e6"/>
+    <xsd:import namespace="a249929f-e4ad-42ca-846a-c0d373ba484d"/>
     <xsd:element name="properties">
       <xsd:complexType>
         <xsd:sequence>
           <xsd:element name="documentManagement">
             <xsd:complexType>
               <xsd:all>
-                <xsd:element ref="ns3:SharedWithUsers" minOccurs="0"/>
-                <xsd:element ref="ns3:SharedWithDetails" minOccurs="0"/>
-                <xsd:element ref="ns3:SharingHintHash" minOccurs="0"/>
-                <xsd:element ref="ns4:MediaServiceMetadata" minOccurs="0"/>
-                <xsd:element ref="ns4:MediaServiceFastMetadata" minOccurs="0"/>
-                <xsd:element ref="ns4:MediaServiceDateTaken" minOccurs="0"/>
-                <xsd:element ref="ns4:MediaServiceAutoTags" minOccurs="0"/>
-                <xsd:element ref="ns4:MediaServiceGenerationTime" minOccurs="0"/>
-                <xsd:element ref="ns4:MediaServiceEventHashCode" minOccurs="0"/>
-                <xsd:element ref="ns4:MediaServiceAutoKeyPoints" minOccurs="0"/>
-                <xsd:element ref="ns4:MediaServiceKeyPoints" minOccurs="0"/>
-                <xsd:element ref="ns4:MediaLengthInSeconds" minOccurs="0"/>
-                <xsd:element ref="ns4:MediaServiceOCR" minOccurs="0"/>
-                <xsd:element ref="ns4:_activity" minOccurs="0"/>
-                <xsd:element ref="ns4:MediaServiceLocation" minOccurs="0"/>
-                <xsd:element ref="ns4:MediaServiceObjectDetectorVersions" minOccurs="0"/>
-                <xsd:element ref="ns4:MediaServiceSystemTags" minOccurs="0"/>
-                <xsd:element ref="ns4:MediaServiceSearchProperties" minOccurs="0"/>
+                <xsd:element ref="ns2:MediaServiceMetadata" minOccurs="0"/>
+                <xsd:element ref="ns2:MediaServiceFastMetadata" minOccurs="0"/>
+                <xsd:element ref="ns2:MediaServiceSearchProperties" minOccurs="0"/>
+                <xsd:element ref="ns2:MediaServiceObjectDetectorVersions" minOccurs="0"/>
+                <xsd:element ref="ns2:lcf76f155ced4ddcb4097134ff3c332f" minOccurs="0"/>
+                <xsd:element ref="ns3:TaxCatchAll" minOccurs="0"/>
+                <xsd:element ref="ns2:MediaServiceDateTaken" minOccurs="0"/>
+                <xsd:element ref="ns2:MediaServiceOCR" minOccurs="0"/>
+                <xsd:element ref="ns2:MediaServiceGenerationTime" minOccurs="0"/>
+                <xsd:element ref="ns2:MediaServiceEventHashCode" minOccurs="0"/>
               </xsd:all>
             </xsd:complexType>
           </xsd:element>
@@ -16953,122 +17096,72 @@
       </xsd:complexType>
     </xsd:element>
   </xsd:schema>
-  <xsd:schema xmlns:xsd="http://www.w3.org/2001/XMLSchema" xmlns:xs="http://www.w3.org/2001/XMLSchema" xmlns:dms="http://schemas.microsoft.com/office/2006/documentManagement/types" xmlns:pc="http://schemas.microsoft.com/office/infopath/2007/PartnerControls" targetNamespace="dc3af81d-fb79-48a5-8b8f-89bb6ef8e058" elementFormDefault="qualified">
+  <xsd:schema xmlns:xsd="http://www.w3.org/2001/XMLSchema" xmlns:xs="http://www.w3.org/2001/XMLSchema" xmlns:dms="http://schemas.microsoft.com/office/2006/documentManagement/types" xmlns:pc="http://schemas.microsoft.com/office/infopath/2007/PartnerControls" targetNamespace="acfb06f1-cf20-457c-9f7c-da94afef52e6" elementFormDefault="qualified">
     <xsd:import namespace="http://schemas.microsoft.com/office/2006/documentManagement/types"/>
     <xsd:import namespace="http://schemas.microsoft.com/office/infopath/2007/PartnerControls"/>
-    <xsd:element name="SharedWithUsers" ma:index="8" nillable="true" ma:displayName="Shared With" ma:internalName="SharedWithUsers" ma:readOnly="true">
+    <xsd:element name="MediaServiceMetadata" ma:index="8" nillable="true" ma:displayName="MediaServiceMetadata" ma:hidden="true" ma:internalName="MediaServiceMetadata" ma:readOnly="true">
+      <xsd:simpleType>
+        <xsd:restriction base="dms:Note"/>
+      </xsd:simpleType>
+    </xsd:element>
+    <xsd:element name="MediaServiceFastMetadata" ma:index="9" nillable="true" ma:displayName="MediaServiceFastMetadata" ma:hidden="true" ma:internalName="MediaServiceFastMetadata" ma:readOnly="true">
+      <xsd:simpleType>
+        <xsd:restriction base="dms:Note"/>
+      </xsd:simpleType>
+    </xsd:element>
+    <xsd:element name="MediaServiceSearchProperties" ma:index="10" nillable="true" ma:displayName="MediaServiceSearchProperties" ma:hidden="true" ma:internalName="MediaServiceSearchProperties" ma:readOnly="true">
+      <xsd:simpleType>
+        <xsd:restriction base="dms:Note"/>
+      </xsd:simpleType>
+    </xsd:element>
+    <xsd:element name="MediaServiceObjectDetectorVersions" ma:index="11" nillable="true" ma:displayName="MediaServiceObjectDetectorVersions" ma:hidden="true" ma:indexed="true" ma:internalName="MediaServiceObjectDetectorVersions" ma:readOnly="true">
+      <xsd:simpleType>
+        <xsd:restriction base="dms:Text"/>
+      </xsd:simpleType>
+    </xsd:element>
+    <xsd:element name="lcf76f155ced4ddcb4097134ff3c332f" ma:index="13" nillable="true" ma:taxonomy="true" ma:internalName="lcf76f155ced4ddcb4097134ff3c332f" ma:taxonomyFieldName="MediaServiceImageTags" ma:displayName="Image Tags" ma:readOnly="false" ma:fieldId="{5cf76f15-5ced-4ddc-b409-7134ff3c332f}" ma:taxonomyMulti="true" ma:sspId="aaf8b06a-778d-4447-b55c-f8813fb4c887" ma:termSetId="09814cd3-568e-fe90-9814-8d621ff8fb84" ma:anchorId="fba54fb3-c3e1-fe81-a776-ca4b69148c4d" ma:open="true" ma:isKeyword="false">
       <xsd:complexType>
-        <xsd:complexContent>
-          <xsd:extension base="dms:UserMulti">
-            <xsd:sequence>
-              <xsd:element name="UserInfo" minOccurs="0" maxOccurs="unbounded">
-                <xsd:complexType>
-                  <xsd:sequence>
-                    <xsd:element name="DisplayName" type="xsd:string" minOccurs="0"/>
-                    <xsd:element name="AccountId" type="dms:UserId" minOccurs="0" nillable="true"/>
-                    <xsd:element name="AccountType" type="xsd:string" minOccurs="0"/>
-                  </xsd:sequence>
-                </xsd:complexType>
-              </xsd:element>
-            </xsd:sequence>
-          </xsd:extension>
-        </xsd:complexContent>
+        <xsd:sequence>
+          <xsd:element ref="pc:Terms" minOccurs="0" maxOccurs="1"/>
+        </xsd:sequence>
       </xsd:complexType>
     </xsd:element>
-    <xsd:element name="SharedWithDetails" ma:index="9" nillable="true" ma:displayName="Shared With Details" ma:internalName="SharedWithDetails" ma:readOnly="true">
+    <xsd:element name="MediaServiceDateTaken" ma:index="15" nillable="true" ma:displayName="MediaServiceDateTaken" ma:hidden="true" ma:indexed="true" ma:internalName="MediaServiceDateTaken" ma:readOnly="true">
+      <xsd:simpleType>
+        <xsd:restriction base="dms:Text"/>
+      </xsd:simpleType>
+    </xsd:element>
+    <xsd:element name="MediaServiceOCR" ma:index="16" nillable="true" ma:displayName="Extracted Text" ma:internalName="MediaServiceOCR" ma:readOnly="true">
       <xsd:simpleType>
         <xsd:restriction base="dms:Note">
           <xsd:maxLength value="255"/>
         </xsd:restriction>
       </xsd:simpleType>
     </xsd:element>
-    <xsd:element name="SharingHintHash" ma:index="10" nillable="true" ma:displayName="Sharing Hint Hash" ma:hidden="true" ma:internalName="SharingHintHash" ma:readOnly="true">
+    <xsd:element name="MediaServiceGenerationTime" ma:index="17" nillable="true" ma:displayName="MediaServiceGenerationTime" ma:hidden="true" ma:internalName="MediaServiceGenerationTime" ma:readOnly="true">
+      <xsd:simpleType>
+        <xsd:restriction base="dms:Text"/>
+      </xsd:simpleType>
+    </xsd:element>
+    <xsd:element name="MediaServiceEventHashCode" ma:index="18" nillable="true" ma:displayName="MediaServiceEventHashCode" ma:hidden="true" ma:internalName="MediaServiceEventHashCode" ma:readOnly="true">
       <xsd:simpleType>
         <xsd:restriction base="dms:Text"/>
       </xsd:simpleType>
     </xsd:element>
   </xsd:schema>
-  <xsd:schema xmlns:xsd="http://www.w3.org/2001/XMLSchema" xmlns:xs="http://www.w3.org/2001/XMLSchema" xmlns:dms="http://schemas.microsoft.com/office/2006/documentManagement/types" xmlns:pc="http://schemas.microsoft.com/office/infopath/2007/PartnerControls" targetNamespace="be8fb32e-c9ff-4415-891a-0a1586572665" elementFormDefault="qualified">
+  <xsd:schema xmlns:xsd="http://www.w3.org/2001/XMLSchema" xmlns:xs="http://www.w3.org/2001/XMLSchema" xmlns:dms="http://schemas.microsoft.com/office/2006/documentManagement/types" xmlns:pc="http://schemas.microsoft.com/office/infopath/2007/PartnerControls" targetNamespace="a249929f-e4ad-42ca-846a-c0d373ba484d" elementFormDefault="qualified">
     <xsd:import namespace="http://schemas.microsoft.com/office/2006/documentManagement/types"/>
     <xsd:import namespace="http://schemas.microsoft.com/office/infopath/2007/PartnerControls"/>
-    <xsd:element name="MediaServiceMetadata" ma:index="11" nillable="true" ma:displayName="MediaServiceMetadata" ma:hidden="true" ma:internalName="MediaServiceMetadata" ma:readOnly="true">
-      <xsd:simpleType>
-        <xsd:restriction base="dms:Note"/>
-      </xsd:simpleType>
-    </xsd:element>
-    <xsd:element name="MediaServiceFastMetadata" ma:index="12" nillable="true" ma:displayName="MediaServiceFastMetadata" ma:hidden="true" ma:internalName="MediaServiceFastMetadata" ma:readOnly="true">
-      <xsd:simpleType>
-        <xsd:restriction base="dms:Note"/>
-      </xsd:simpleType>
-    </xsd:element>
-    <xsd:element name="MediaServiceDateTaken" ma:index="13" nillable="true" ma:displayName="MediaServiceDateTaken" ma:hidden="true" ma:internalName="MediaServiceDateTaken" ma:readOnly="true">
-      <xsd:simpleType>
-        <xsd:restriction base="dms:Text"/>
-      </xsd:simpleType>
-    </xsd:element>
-    <xsd:element name="MediaServiceAutoTags" ma:index="14" nillable="true" ma:displayName="Tags" ma:internalName="MediaServiceAutoTags" ma:readOnly="true">
-      <xsd:simpleType>
-        <xsd:restriction base="dms:Text"/>
-      </xsd:simpleType>
-    </xsd:element>
-    <xsd:element name="MediaServiceGenerationTime" ma:index="15" nillable="true" ma:displayName="MediaServiceGenerationTime" ma:hidden="true" ma:internalName="MediaServiceGenerationTime" ma:readOnly="true">
-      <xsd:simpleType>
-        <xsd:restriction base="dms:Text"/>
-      </xsd:simpleType>
-    </xsd:element>
-    <xsd:element name="MediaServiceEventHashCode" ma:index="16" nillable="true" ma:displayName="MediaServiceEventHashCode" ma:hidden="true" ma:internalName="MediaServiceEventHashCode" ma:readOnly="true">
-      <xsd:simpleType>
-        <xsd:restriction base="dms:Text"/>
-      </xsd:simpleType>
-    </xsd:element>
-    <xsd:element name="MediaServiceAutoKeyPoints" ma:index="17" nillable="true" ma:displayName="MediaServiceAutoKeyPoints" ma:hidden="true" ma:internalName="MediaServiceAutoKeyPoints" ma:readOnly="true">
-      <xsd:simpleType>
-        <xsd:restriction base="dms:Note"/>
-      </xsd:simpleType>
-    </xsd:element>
-    <xsd:element name="MediaServiceKeyPoints" ma:index="18" nillable="true" ma:displayName="KeyPoints" ma:internalName="MediaServiceKeyPoints" ma:readOnly="true">
-      <xsd:simpleType>
-        <xsd:restriction base="dms:Note">
-          <xsd:maxLength value="255"/>
-        </xsd:restriction>
-      </xsd:simpleType>
-    </xsd:element>
-    <xsd:element name="MediaLengthInSeconds" ma:index="19" nillable="true" ma:displayName="MediaLengthInSeconds" ma:hidden="true" ma:internalName="MediaLengthInSeconds" ma:readOnly="true">
-      <xsd:simpleType>
-        <xsd:restriction base="dms:Unknown"/>
-      </xsd:simpleType>
-    </xsd:element>
-    <xsd:element name="MediaServiceOCR" ma:index="20" nillable="true" ma:displayName="Extracted Text" ma:internalName="MediaServiceOCR" ma:readOnly="true">
-      <xsd:simpleType>
-        <xsd:restriction base="dms:Note">
-          <xsd:maxLength value="255"/>
-        </xsd:restriction>
-      </xsd:simpleType>
-    </xsd:element>
-    <xsd:element name="_activity" ma:index="21" nillable="true" ma:displayName="_activity" ma:hidden="true" ma:internalName="_activity">
-      <xsd:simpleType>
-        <xsd:restriction base="dms:Note"/>
-      </xsd:simpleType>
-    </xsd:element>
-    <xsd:element name="MediaServiceLocation" ma:index="22" nillable="true" ma:displayName="Location" ma:indexed="true" ma:internalName="MediaServiceLocation" ma:readOnly="true">
-      <xsd:simpleType>
-        <xsd:restriction base="dms:Text"/>
-      </xsd:simpleType>
-    </xsd:element>
-    <xsd:element name="MediaServiceObjectDetectorVersions" ma:index="23" nillable="true" ma:displayName="MediaServiceObjectDetectorVersions" ma:hidden="true" ma:indexed="true" ma:internalName="MediaServiceObjectDetectorVersions" ma:readOnly="true">
-      <xsd:simpleType>
-        <xsd:restriction base="dms:Text"/>
-      </xsd:simpleType>
-    </xsd:element>
-    <xsd:element name="MediaServiceSystemTags" ma:index="24" nillable="true" ma:displayName="MediaServiceSystemTags" ma:hidden="true" ma:internalName="MediaServiceSystemTags" ma:readOnly="true">
-      <xsd:simpleType>
-        <xsd:restriction base="dms:Note"/>
-      </xsd:simpleType>
-    </xsd:element>
-    <xsd:element name="MediaServiceSearchProperties" ma:index="25" nillable="true" ma:displayName="MediaServiceSearchProperties" ma:hidden="true" ma:internalName="MediaServiceSearchProperties" ma:readOnly="true">
-      <xsd:simpleType>
-        <xsd:restriction base="dms:Note"/>
-      </xsd:simpleType>
+    <xsd:element name="TaxCatchAll" ma:index="14" nillable="true" ma:displayName="Taxonomy Catch All Column" ma:hidden="true" ma:list="{85148179-4970-4c2c-9be4-a083355531bc}" ma:internalName="TaxCatchAll" ma:showField="CatchAllData" ma:web="a249929f-e4ad-42ca-846a-c0d373ba484d">
+      <xsd:complexType>
+        <xsd:complexContent>
+          <xsd:extension base="dms:MultiChoiceLookup">
+            <xsd:sequence>
+              <xsd:element name="Value" type="dms:Lookup" maxOccurs="unbounded" minOccurs="0" nillable="true"/>
+            </xsd:sequence>
+          </xsd:extension>
+        </xsd:complexContent>
+      </xsd:complexType>
     </xsd:element>
   </xsd:schema>
   <xsd:schema xmlns="http://schemas.openxmlformats.org/package/2006/metadata/core-properties" xmlns:xsd="http://www.w3.org/2001/XMLSchema" xmlns:xsi="http://www.w3.org/2001/XMLSchema-instance" xmlns:dc="http://purl.org/dc/elements/1.1/" xmlns:dcterms="http://purl.org/dc/terms/" xmlns:odoc="http://schemas.microsoft.com/internal/obd" targetNamespace="http://schemas.openxmlformats.org/package/2006/metadata/core-properties" elementFormDefault="qualified" attributeFormDefault="unqualified" blockDefault="#all">
@@ -17170,7 +17263,7 @@
 </ct:contentTypeSchema>
 </file>
 
-<file path=customXml/item3.xml><?xml version="1.0" encoding="utf-8"?>
+<file path=customXml/item2.xml><?xml version="1.0" encoding="utf-8"?>
 <?mso-contentType ?>
 <FormTemplates xmlns="http://schemas.microsoft.com/sharepoint/v3/contenttype/forms">
   <Display>DocumentLibraryForm</Display>
@@ -17179,32 +17272,26 @@
 </FormTemplates>
 </file>
 
-<file path=customXml/itemProps1.xml><?xml version="1.0" encoding="utf-8"?>
-<ds:datastoreItem xmlns:ds="http://schemas.openxmlformats.org/officeDocument/2006/customXml" ds:itemID="{975126FD-8B44-46F3-BEB2-D5456E769196}">
-  <ds:schemaRefs>
-    <ds:schemaRef ds:uri="http://purl.org/dc/terms/"/>
-    <ds:schemaRef ds:uri="http://www.w3.org/XML/1998/namespace"/>
-    <ds:schemaRef ds:uri="http://schemas.openxmlformats.org/package/2006/metadata/core-properties"/>
-    <ds:schemaRef ds:uri="http://schemas.microsoft.com/office/infopath/2007/PartnerControls"/>
-    <ds:schemaRef ds:uri="http://schemas.microsoft.com/office/2006/documentManagement/types"/>
-    <ds:schemaRef ds:uri="http://schemas.microsoft.com/office/2006/metadata/properties"/>
-    <ds:schemaRef ds:uri="http://purl.org/dc/elements/1.1/"/>
-    <ds:schemaRef ds:uri="be8fb32e-c9ff-4415-891a-0a1586572665"/>
-    <ds:schemaRef ds:uri="dc3af81d-fb79-48a5-8b8f-89bb6ef8e058"/>
-    <ds:schemaRef ds:uri="http://purl.org/dc/dcmitype/"/>
-  </ds:schemaRefs>
-</ds:datastoreItem>
+<file path=customXml/item3.xml><?xml version="1.0" encoding="utf-8"?>
+<p:properties xmlns:p="http://schemas.microsoft.com/office/2006/metadata/properties" xmlns:xsi="http://www.w3.org/2001/XMLSchema-instance" xmlns:pc="http://schemas.microsoft.com/office/infopath/2007/PartnerControls">
+  <documentManagement>
+    <TaxCatchAll xmlns="a249929f-e4ad-42ca-846a-c0d373ba484d" xsi:nil="true"/>
+    <lcf76f155ced4ddcb4097134ff3c332f xmlns="acfb06f1-cf20-457c-9f7c-da94afef52e6">
+      <Terms xmlns="http://schemas.microsoft.com/office/infopath/2007/PartnerControls"/>
+    </lcf76f155ced4ddcb4097134ff3c332f>
+  </documentManagement>
+</p:properties>
 </file>
 
-<file path=customXml/itemProps2.xml><?xml version="1.0" encoding="utf-8"?>
-<ds:datastoreItem xmlns:ds="http://schemas.openxmlformats.org/officeDocument/2006/customXml" ds:itemID="{F8461FAD-7681-40FC-846A-2613475A19E7}">
+<file path=customXml/itemProps1.xml><?xml version="1.0" encoding="utf-8"?>
+<ds:datastoreItem xmlns:ds="http://schemas.openxmlformats.org/officeDocument/2006/customXml" ds:itemID="{EAEDE8C3-41D5-4421-9046-1400BB5EEDCE}">
   <ds:schemaRefs>
     <ds:schemaRef ds:uri="http://schemas.microsoft.com/office/2006/metadata/contentType"/>
     <ds:schemaRef ds:uri="http://schemas.microsoft.com/office/2006/metadata/properties/metaAttributes"/>
     <ds:schemaRef ds:uri="http://www.w3.org/2001/XMLSchema"/>
     <ds:schemaRef ds:uri="http://schemas.microsoft.com/office/2006/metadata/properties"/>
-    <ds:schemaRef ds:uri="dc3af81d-fb79-48a5-8b8f-89bb6ef8e058"/>
-    <ds:schemaRef ds:uri="be8fb32e-c9ff-4415-891a-0a1586572665"/>
+    <ds:schemaRef ds:uri="acfb06f1-cf20-457c-9f7c-da94afef52e6"/>
+    <ds:schemaRef ds:uri="a249929f-e4ad-42ca-846a-c0d373ba484d"/>
     <ds:schemaRef ds:uri="http://schemas.microsoft.com/office/2006/documentManagement/types"/>
     <ds:schemaRef ds:uri="http://schemas.microsoft.com/office/infopath/2007/PartnerControls"/>
     <ds:schemaRef ds:uri="http://schemas.openxmlformats.org/package/2006/metadata/core-properties"/>
@@ -17215,7 +17302,7 @@
 </ds:datastoreItem>
 </file>
 
-<file path=customXml/itemProps3.xml><?xml version="1.0" encoding="utf-8"?>
+<file path=customXml/itemProps2.xml><?xml version="1.0" encoding="utf-8"?>
 <ds:datastoreItem xmlns:ds="http://schemas.openxmlformats.org/officeDocument/2006/customXml" ds:itemID="{170C3F92-C0AD-4E73-8A22-9D413A456BAF}">
   <ds:schemaRefs>
     <ds:schemaRef ds:uri="http://schemas.microsoft.com/sharepoint/v3/contenttype/forms"/>
@@ -17223,6 +17310,23 @@
 </ds:datastoreItem>
 </file>
 
+<file path=customXml/itemProps3.xml><?xml version="1.0" encoding="utf-8"?>
+<ds:datastoreItem xmlns:ds="http://schemas.openxmlformats.org/officeDocument/2006/customXml" ds:itemID="{975126FD-8B44-46F3-BEB2-D5456E769196}">
+  <ds:schemaRefs>
+    <ds:schemaRef ds:uri="http://schemas.microsoft.com/office/2006/documentManagement/types"/>
+    <ds:schemaRef ds:uri="http://purl.org/dc/terms/"/>
+    <ds:schemaRef ds:uri="http://purl.org/dc/dcmitype/"/>
+    <ds:schemaRef ds:uri="http://purl.org/dc/elements/1.1/"/>
+    <ds:schemaRef ds:uri="http://schemas.microsoft.com/office/infopath/2007/PartnerControls"/>
+    <ds:schemaRef ds:uri="http://schemas.openxmlformats.org/package/2006/metadata/core-properties"/>
+    <ds:schemaRef ds:uri="http://schemas.microsoft.com/office/2006/metadata/properties"/>
+    <ds:schemaRef ds:uri="a249929f-e4ad-42ca-846a-c0d373ba484d"/>
+    <ds:schemaRef ds:uri="acfb06f1-cf20-457c-9f7c-da94afef52e6"/>
+    <ds:schemaRef ds:uri="http://www.w3.org/XML/1998/namespace"/>
+  </ds:schemaRefs>
+</ds:datastoreItem>
+</file>
+
 <file path=docMetadata/LabelInfo.xml><?xml version="1.0" encoding="utf-8"?>
 <clbl:labelList xmlns:clbl="http://schemas.microsoft.com/office/2020/mipLabelMetadata"/>
 </file>